--- a/presentations/project_lifecycle.pptx
+++ b/presentations/project_lifecycle.pptx
@@ -5,11 +5,13 @@
     <p:sldMasterId id="2147483648" r:id="rId1"/>
   </p:sldMasterIdLst>
   <p:notesMasterIdLst>
-    <p:notesMasterId r:id="rId4"/>
+    <p:notesMasterId r:id="rId6"/>
   </p:notesMasterIdLst>
   <p:sldIdLst>
     <p:sldId id="322" r:id="rId2"/>
-    <p:sldId id="317" r:id="rId3"/>
+    <p:sldId id="334" r:id="rId3"/>
+    <p:sldId id="333" r:id="rId4"/>
+    <p:sldId id="335" r:id="rId5"/>
   </p:sldIdLst>
   <p:sldSz cx="12192000" cy="6858000"/>
   <p:notesSz cx="7023100" cy="9309100"/>
@@ -209,7 +211,7 @@
           <a:p>
             <a:fld id="{FD93C9B2-20F6-4DB1-B471-224337D0AC79}" type="datetimeFigureOut">
               <a:rPr lang="en-US" smtClean="0"/>
-              <a:t>9/7/2022</a:t>
+              <a:t>10/12/2022</a:t>
             </a:fld>
             <a:endParaRPr lang="en-US"/>
           </a:p>
@@ -611,9 +613,189 @@
           <a:bodyPr/>
           <a:lstStyle/>
           <a:p>
-            <a:r>
-              <a:rPr lang="en-US" dirty="0"/>
-              <a:t>Here are the steps one usually takes in a typical machine learning project.  Note that the entire process is completely dependent on “Lots” of data.  This truth can be stated simply as, “No data. No machine learning.”</a:t>
+            <a:pPr marR="0" algn="l" rtl="0"/>
+            <a:r>
+              <a:rPr lang="en-US" sz="1800" b="0" i="0" u="none" strike="noStrike" baseline="0" dirty="0">
+                <a:solidFill>
+                  <a:srgbClr val="30335C"/>
+                </a:solidFill>
+                <a:latin typeface="Calibri" panose="020F0502020204030204" pitchFamily="34" charset="0"/>
+              </a:rPr>
+              <a:t>Research Methods</a:t>
+            </a:r>
+          </a:p>
+          <a:p>
+            <a:pPr marR="0" algn="l" rtl="0"/>
+            <a:endParaRPr lang="en-US" sz="1800" b="0" i="0" u="none" strike="noStrike" baseline="0" dirty="0">
+              <a:solidFill>
+                <a:srgbClr val="30335C"/>
+              </a:solidFill>
+              <a:latin typeface="Calibri" panose="020F0502020204030204" pitchFamily="34" charset="0"/>
+            </a:endParaRPr>
+          </a:p>
+          <a:p>
+            <a:pPr marL="342900" marR="0" indent="-342900" algn="l" rtl="0">
+              <a:buFont typeface="Courier New" panose="02070309020205020404" pitchFamily="49" charset="0"/>
+              <a:buChar char="o"/>
+            </a:pPr>
+            <a:r>
+              <a:rPr lang="en-US" sz="1800" b="0" i="0" u="none" strike="noStrike" baseline="0" dirty="0">
+                <a:solidFill>
+                  <a:srgbClr val="30335C"/>
+                </a:solidFill>
+                <a:latin typeface="Calibri" panose="020F0502020204030204" pitchFamily="34" charset="0"/>
+              </a:rPr>
+              <a:t>Machine Learning</a:t>
+            </a:r>
+          </a:p>
+          <a:p>
+            <a:pPr marL="800100" marR="0" lvl="1" indent="-342900" algn="l" rtl="0">
+              <a:buFont typeface="Courier New" panose="02070309020205020404" pitchFamily="49" charset="0"/>
+              <a:buChar char="o"/>
+            </a:pPr>
+            <a:r>
+              <a:rPr lang="en-US" sz="1800" b="0" i="0" u="none" strike="noStrike" baseline="0" dirty="0">
+                <a:solidFill>
+                  <a:srgbClr val="30335C"/>
+                </a:solidFill>
+                <a:latin typeface="Calibri" panose="020F0502020204030204" pitchFamily="34" charset="0"/>
+              </a:rPr>
+              <a:t>Regression</a:t>
+            </a:r>
+          </a:p>
+          <a:p>
+            <a:pPr marL="800100" marR="0" lvl="1" indent="-342900" algn="l" rtl="0">
+              <a:buFont typeface="Courier New" panose="02070309020205020404" pitchFamily="49" charset="0"/>
+              <a:buChar char="o"/>
+            </a:pPr>
+            <a:r>
+              <a:rPr lang="en-US" sz="1800" b="0" i="0" u="none" strike="noStrike" baseline="0" dirty="0">
+                <a:solidFill>
+                  <a:srgbClr val="30335C"/>
+                </a:solidFill>
+                <a:latin typeface="Calibri" panose="020F0502020204030204" pitchFamily="34" charset="0"/>
+              </a:rPr>
+              <a:t>Decision Trees</a:t>
+            </a:r>
+          </a:p>
+          <a:p>
+            <a:pPr marL="800100" marR="0" lvl="1" indent="-342900" algn="l" rtl="0">
+              <a:buFont typeface="Courier New" panose="02070309020205020404" pitchFamily="49" charset="0"/>
+              <a:buChar char="o"/>
+            </a:pPr>
+            <a:r>
+              <a:rPr lang="en-US" sz="1800" b="0" i="0" u="none" strike="noStrike" baseline="0" dirty="0">
+                <a:solidFill>
+                  <a:srgbClr val="30335C"/>
+                </a:solidFill>
+                <a:latin typeface="Calibri" panose="020F0502020204030204" pitchFamily="34" charset="0"/>
+              </a:rPr>
+              <a:t>Principle Component Analysis</a:t>
+            </a:r>
+          </a:p>
+          <a:p>
+            <a:pPr marL="800100" marR="0" lvl="1" indent="-342900" algn="l" rtl="0">
+              <a:buFont typeface="Courier New" panose="02070309020205020404" pitchFamily="49" charset="0"/>
+              <a:buChar char="o"/>
+            </a:pPr>
+            <a:r>
+              <a:rPr lang="en-US" sz="1800" b="0" i="0" u="none" strike="noStrike" baseline="0" dirty="0">
+                <a:solidFill>
+                  <a:srgbClr val="30335C"/>
+                </a:solidFill>
+                <a:latin typeface="Calibri" panose="020F0502020204030204" pitchFamily="34" charset="0"/>
+              </a:rPr>
+              <a:t>Support Vector Machines</a:t>
+            </a:r>
+          </a:p>
+          <a:p>
+            <a:pPr marL="800100" marR="0" lvl="1" indent="-342900" algn="l" rtl="0">
+              <a:buFont typeface="Courier New" panose="02070309020205020404" pitchFamily="49" charset="0"/>
+              <a:buChar char="o"/>
+            </a:pPr>
+            <a:r>
+              <a:rPr lang="en-US" sz="1800" b="0" i="0" u="none" strike="noStrike" baseline="0" dirty="0">
+                <a:solidFill>
+                  <a:srgbClr val="30335C"/>
+                </a:solidFill>
+                <a:latin typeface="Calibri" panose="020F0502020204030204" pitchFamily="34" charset="0"/>
+              </a:rPr>
+              <a:t>K-Means</a:t>
+            </a:r>
+          </a:p>
+          <a:p>
+            <a:pPr marL="342900" marR="0" indent="-342900" algn="l" rtl="0">
+              <a:buFont typeface="Courier New" panose="02070309020205020404" pitchFamily="49" charset="0"/>
+              <a:buChar char="o"/>
+            </a:pPr>
+            <a:r>
+              <a:rPr lang="en-US" sz="1800" b="0" i="0" u="none" strike="noStrike" baseline="0" dirty="0">
+                <a:solidFill>
+                  <a:srgbClr val="30335C"/>
+                </a:solidFill>
+                <a:latin typeface="Calibri" panose="020F0502020204030204" pitchFamily="34" charset="0"/>
+              </a:rPr>
+              <a:t>Deep Learning</a:t>
+            </a:r>
+          </a:p>
+          <a:p>
+            <a:pPr marL="800100" marR="0" lvl="1" indent="-342900" algn="l" rtl="0">
+              <a:buFont typeface="Courier New" panose="02070309020205020404" pitchFamily="49" charset="0"/>
+              <a:buChar char="o"/>
+            </a:pPr>
+            <a:r>
+              <a:rPr lang="en-US" sz="1800" b="0" i="0" u="none" strike="noStrike" baseline="0" dirty="0">
+                <a:solidFill>
+                  <a:srgbClr val="30335C"/>
+                </a:solidFill>
+                <a:latin typeface="Calibri" panose="020F0502020204030204" pitchFamily="34" charset="0"/>
+              </a:rPr>
+              <a:t>Supervised</a:t>
+            </a:r>
+          </a:p>
+          <a:p>
+            <a:pPr marL="800100" marR="0" lvl="1" indent="-342900" algn="l" rtl="0">
+              <a:buFont typeface="Courier New" panose="02070309020205020404" pitchFamily="49" charset="0"/>
+              <a:buChar char="o"/>
+            </a:pPr>
+            <a:r>
+              <a:rPr lang="en-US" sz="1800" b="0" i="0" u="none" strike="noStrike" baseline="0" dirty="0">
+                <a:solidFill>
+                  <a:srgbClr val="30335C"/>
+                </a:solidFill>
+                <a:latin typeface="Calibri" panose="020F0502020204030204" pitchFamily="34" charset="0"/>
+              </a:rPr>
+              <a:t>Semi-Supervised</a:t>
+            </a:r>
+          </a:p>
+          <a:p>
+            <a:pPr marL="800100" marR="0" lvl="1" indent="-342900" algn="l" rtl="0">
+              <a:buFont typeface="Courier New" panose="02070309020205020404" pitchFamily="49" charset="0"/>
+              <a:buChar char="o"/>
+            </a:pPr>
+            <a:r>
+              <a:rPr lang="en-US" sz="1800" b="0" i="0" u="none" strike="noStrike" baseline="0" dirty="0">
+                <a:solidFill>
+                  <a:srgbClr val="30335C"/>
+                </a:solidFill>
+                <a:latin typeface="Calibri" panose="020F0502020204030204" pitchFamily="34" charset="0"/>
+              </a:rPr>
+              <a:t>Unsupervised</a:t>
+            </a:r>
+          </a:p>
+          <a:p>
+            <a:pPr marL="800100" marR="0" lvl="1" indent="-342900" algn="l" rtl="0">
+              <a:buFont typeface="Courier New" panose="02070309020205020404" pitchFamily="49" charset="0"/>
+              <a:buChar char="o"/>
+            </a:pPr>
+            <a:r>
+              <a:rPr lang="en-US" sz="1800" b="0" i="0" u="none" strike="noStrike" baseline="0" dirty="0">
+                <a:solidFill>
+                  <a:srgbClr val="30335C"/>
+                </a:solidFill>
+                <a:latin typeface="Calibri" panose="020F0502020204030204" pitchFamily="34" charset="0"/>
+              </a:rPr>
+              <a:t>Reinforcement</a:t>
             </a:r>
           </a:p>
         </p:txBody>
@@ -644,7 +826,238 @@
     </p:spTree>
     <p:extLst>
       <p:ext uri="{BB962C8B-B14F-4D97-AF65-F5344CB8AC3E}">
-        <p14:creationId xmlns:p14="http://schemas.microsoft.com/office/powerpoint/2010/main" val="1313138859"/>
+        <p14:creationId xmlns:p14="http://schemas.microsoft.com/office/powerpoint/2010/main" val="842655271"/>
+      </p:ext>
+    </p:extLst>
+  </p:cSld>
+  <p:clrMapOvr>
+    <a:masterClrMapping/>
+  </p:clrMapOvr>
+</p:notes>
+</file>
+
+<file path=ppt/notesSlides/notesSlide3.xml><?xml version="1.0" encoding="utf-8"?>
+<p:notes xmlns:a="http://schemas.openxmlformats.org/drawingml/2006/main" xmlns:r="http://schemas.openxmlformats.org/officeDocument/2006/relationships" xmlns:p="http://schemas.openxmlformats.org/presentationml/2006/main">
+  <p:cSld>
+    <p:spTree>
+      <p:nvGrpSpPr>
+        <p:cNvPr id="1" name=""/>
+        <p:cNvGrpSpPr/>
+        <p:nvPr/>
+      </p:nvGrpSpPr>
+      <p:grpSpPr>
+        <a:xfrm>
+          <a:off x="0" y="0"/>
+          <a:ext cx="0" cy="0"/>
+          <a:chOff x="0" y="0"/>
+          <a:chExt cx="0" cy="0"/>
+        </a:xfrm>
+      </p:grpSpPr>
+      <p:sp>
+        <p:nvSpPr>
+          <p:cNvPr id="2" name="Slide Image Placeholder 1"/>
+          <p:cNvSpPr>
+            <a:spLocks noGrp="1" noRot="1" noChangeAspect="1"/>
+          </p:cNvSpPr>
+          <p:nvPr>
+            <p:ph type="sldImg"/>
+          </p:nvPr>
+        </p:nvSpPr>
+        <p:spPr/>
+      </p:sp>
+      <p:sp>
+        <p:nvSpPr>
+          <p:cNvPr id="3" name="Notes Placeholder 2"/>
+          <p:cNvSpPr>
+            <a:spLocks noGrp="1"/>
+          </p:cNvSpPr>
+          <p:nvPr>
+            <p:ph type="body" idx="1"/>
+          </p:nvPr>
+        </p:nvSpPr>
+        <p:spPr/>
+        <p:txBody>
+          <a:bodyPr/>
+          <a:lstStyle/>
+          <a:p>
+            <a:r>
+              <a:rPr lang="en-US" dirty="0"/>
+              <a:t>Ethical Framework – Deontology / Consequentialism</a:t>
+            </a:r>
+          </a:p>
+        </p:txBody>
+      </p:sp>
+      <p:sp>
+        <p:nvSpPr>
+          <p:cNvPr id="4" name="Slide Number Placeholder 3"/>
+          <p:cNvSpPr>
+            <a:spLocks noGrp="1"/>
+          </p:cNvSpPr>
+          <p:nvPr>
+            <p:ph type="sldNum" sz="quarter" idx="5"/>
+          </p:nvPr>
+        </p:nvSpPr>
+        <p:spPr/>
+        <p:txBody>
+          <a:bodyPr/>
+          <a:lstStyle/>
+          <a:p>
+            <a:fld id="{3148858F-F1DB-4027-9C85-CCA6849540DD}" type="slidenum">
+              <a:rPr lang="en-US" smtClean="0"/>
+              <a:t>3</a:t>
+            </a:fld>
+            <a:endParaRPr lang="en-US"/>
+          </a:p>
+        </p:txBody>
+      </p:sp>
+    </p:spTree>
+    <p:extLst>
+      <p:ext uri="{BB962C8B-B14F-4D97-AF65-F5344CB8AC3E}">
+        <p14:creationId xmlns:p14="http://schemas.microsoft.com/office/powerpoint/2010/main" val="672039410"/>
+      </p:ext>
+    </p:extLst>
+  </p:cSld>
+  <p:clrMapOvr>
+    <a:masterClrMapping/>
+  </p:clrMapOvr>
+</p:notes>
+</file>
+
+<file path=ppt/notesSlides/notesSlide4.xml><?xml version="1.0" encoding="utf-8"?>
+<p:notes xmlns:a="http://schemas.openxmlformats.org/drawingml/2006/main" xmlns:r="http://schemas.openxmlformats.org/officeDocument/2006/relationships" xmlns:p="http://schemas.openxmlformats.org/presentationml/2006/main">
+  <p:cSld>
+    <p:spTree>
+      <p:nvGrpSpPr>
+        <p:cNvPr id="1" name=""/>
+        <p:cNvGrpSpPr/>
+        <p:nvPr/>
+      </p:nvGrpSpPr>
+      <p:grpSpPr>
+        <a:xfrm>
+          <a:off x="0" y="0"/>
+          <a:ext cx="0" cy="0"/>
+          <a:chOff x="0" y="0"/>
+          <a:chExt cx="0" cy="0"/>
+        </a:xfrm>
+      </p:grpSpPr>
+      <p:sp>
+        <p:nvSpPr>
+          <p:cNvPr id="2" name="Slide Image Placeholder 1"/>
+          <p:cNvSpPr>
+            <a:spLocks noGrp="1" noRot="1" noChangeAspect="1"/>
+          </p:cNvSpPr>
+          <p:nvPr>
+            <p:ph type="sldImg"/>
+          </p:nvPr>
+        </p:nvSpPr>
+        <p:spPr/>
+      </p:sp>
+      <p:sp>
+        <p:nvSpPr>
+          <p:cNvPr id="3" name="Notes Placeholder 2"/>
+          <p:cNvSpPr>
+            <a:spLocks noGrp="1"/>
+          </p:cNvSpPr>
+          <p:nvPr>
+            <p:ph type="body" idx="1"/>
+          </p:nvPr>
+        </p:nvSpPr>
+        <p:spPr/>
+        <p:txBody>
+          <a:bodyPr/>
+          <a:lstStyle/>
+          <a:p>
+            <a:pPr marL="228600" indent="-228600">
+              <a:buAutoNum type="arabicPeriod"/>
+            </a:pPr>
+            <a:r>
+              <a:rPr lang="en-US" dirty="0"/>
+              <a:t>Model Search – Environmental Impact</a:t>
+            </a:r>
+          </a:p>
+          <a:p>
+            <a:pPr marL="228600" indent="-228600">
+              <a:buAutoNum type="arabicPeriod"/>
+            </a:pPr>
+            <a:r>
+              <a:rPr lang="en-US" dirty="0"/>
+              <a:t>Collect Data – The sample ought to reflect the population – ImageNet example from the Ethics presentation</a:t>
+            </a:r>
+          </a:p>
+          <a:p>
+            <a:pPr marL="228600" indent="-228600">
+              <a:buAutoNum type="arabicPeriod"/>
+            </a:pPr>
+            <a:r>
+              <a:rPr lang="en-US" dirty="0"/>
+              <a:t>Clean Data</a:t>
+            </a:r>
+          </a:p>
+          <a:p>
+            <a:pPr marL="228600" indent="-228600">
+              <a:buAutoNum type="arabicPeriod"/>
+            </a:pPr>
+            <a:r>
+              <a:rPr lang="en-US" dirty="0"/>
+              <a:t>Wrangle Data – data distortion from feature engineering</a:t>
+            </a:r>
+          </a:p>
+          <a:p>
+            <a:pPr marL="228600" indent="-228600">
+              <a:buAutoNum type="arabicPeriod"/>
+            </a:pPr>
+            <a:r>
+              <a:rPr lang="en-US" dirty="0"/>
+              <a:t>Train Model – Black box nature of deep models – Transparent AI</a:t>
+            </a:r>
+          </a:p>
+          <a:p>
+            <a:pPr marL="228600" indent="-228600">
+              <a:buAutoNum type="arabicPeriod"/>
+            </a:pPr>
+            <a:r>
+              <a:rPr lang="en-US" dirty="0"/>
+              <a:t>Evaluate Model – Brittle nature of narrow AI</a:t>
+            </a:r>
+          </a:p>
+          <a:p>
+            <a:pPr marL="228600" indent="-228600">
+              <a:buAutoNum type="arabicPeriod"/>
+            </a:pPr>
+            <a:r>
+              <a:rPr lang="en-US" dirty="0"/>
+              <a:t>Deploy Model – Open, accessible, and testable?  </a:t>
+            </a:r>
+          </a:p>
+        </p:txBody>
+      </p:sp>
+      <p:sp>
+        <p:nvSpPr>
+          <p:cNvPr id="4" name="Slide Number Placeholder 3"/>
+          <p:cNvSpPr>
+            <a:spLocks noGrp="1"/>
+          </p:cNvSpPr>
+          <p:nvPr>
+            <p:ph type="sldNum" sz="quarter" idx="5"/>
+          </p:nvPr>
+        </p:nvSpPr>
+        <p:spPr/>
+        <p:txBody>
+          <a:bodyPr/>
+          <a:lstStyle/>
+          <a:p>
+            <a:fld id="{3148858F-F1DB-4027-9C85-CCA6849540DD}" type="slidenum">
+              <a:rPr lang="en-US" smtClean="0"/>
+              <a:t>4</a:t>
+            </a:fld>
+            <a:endParaRPr lang="en-US"/>
+          </a:p>
+        </p:txBody>
+      </p:sp>
+    </p:spTree>
+    <p:extLst>
+      <p:ext uri="{BB962C8B-B14F-4D97-AF65-F5344CB8AC3E}">
+        <p14:creationId xmlns:p14="http://schemas.microsoft.com/office/powerpoint/2010/main" val="391792380"/>
       </p:ext>
     </p:extLst>
   </p:cSld>
@@ -801,7 +1214,7 @@
           <a:p>
             <a:fld id="{C3F78080-8D0A-4BE8-A5B4-CB115102D524}" type="datetimeFigureOut">
               <a:rPr lang="en-US" smtClean="0"/>
-              <a:t>9/7/2022</a:t>
+              <a:t>10/12/2022</a:t>
             </a:fld>
             <a:endParaRPr lang="en-US"/>
           </a:p>
@@ -999,7 +1412,7 @@
           <a:p>
             <a:fld id="{C3F78080-8D0A-4BE8-A5B4-CB115102D524}" type="datetimeFigureOut">
               <a:rPr lang="en-US" smtClean="0"/>
-              <a:t>9/7/2022</a:t>
+              <a:t>10/12/2022</a:t>
             </a:fld>
             <a:endParaRPr lang="en-US"/>
           </a:p>
@@ -1207,7 +1620,7 @@
           <a:p>
             <a:fld id="{C3F78080-8D0A-4BE8-A5B4-CB115102D524}" type="datetimeFigureOut">
               <a:rPr lang="en-US" smtClean="0"/>
-              <a:t>9/7/2022</a:t>
+              <a:t>10/12/2022</a:t>
             </a:fld>
             <a:endParaRPr lang="en-US"/>
           </a:p>
@@ -1405,7 +1818,7 @@
           <a:p>
             <a:fld id="{C3F78080-8D0A-4BE8-A5B4-CB115102D524}" type="datetimeFigureOut">
               <a:rPr lang="en-US" smtClean="0"/>
-              <a:t>9/7/2022</a:t>
+              <a:t>10/12/2022</a:t>
             </a:fld>
             <a:endParaRPr lang="en-US"/>
           </a:p>
@@ -1680,7 +2093,7 @@
           <a:p>
             <a:fld id="{C3F78080-8D0A-4BE8-A5B4-CB115102D524}" type="datetimeFigureOut">
               <a:rPr lang="en-US" smtClean="0"/>
-              <a:t>9/7/2022</a:t>
+              <a:t>10/12/2022</a:t>
             </a:fld>
             <a:endParaRPr lang="en-US"/>
           </a:p>
@@ -1945,7 +2358,7 @@
           <a:p>
             <a:fld id="{C3F78080-8D0A-4BE8-A5B4-CB115102D524}" type="datetimeFigureOut">
               <a:rPr lang="en-US" smtClean="0"/>
-              <a:t>9/7/2022</a:t>
+              <a:t>10/12/2022</a:t>
             </a:fld>
             <a:endParaRPr lang="en-US"/>
           </a:p>
@@ -2357,7 +2770,7 @@
           <a:p>
             <a:fld id="{C3F78080-8D0A-4BE8-A5B4-CB115102D524}" type="datetimeFigureOut">
               <a:rPr lang="en-US" smtClean="0"/>
-              <a:t>9/7/2022</a:t>
+              <a:t>10/12/2022</a:t>
             </a:fld>
             <a:endParaRPr lang="en-US"/>
           </a:p>
@@ -2498,7 +2911,7 @@
           <a:p>
             <a:fld id="{C3F78080-8D0A-4BE8-A5B4-CB115102D524}" type="datetimeFigureOut">
               <a:rPr lang="en-US" smtClean="0"/>
-              <a:t>9/7/2022</a:t>
+              <a:t>10/12/2022</a:t>
             </a:fld>
             <a:endParaRPr lang="en-US"/>
           </a:p>
@@ -2611,7 +3024,7 @@
           <a:p>
             <a:fld id="{C3F78080-8D0A-4BE8-A5B4-CB115102D524}" type="datetimeFigureOut">
               <a:rPr lang="en-US" smtClean="0"/>
-              <a:t>9/7/2022</a:t>
+              <a:t>10/12/2022</a:t>
             </a:fld>
             <a:endParaRPr lang="en-US"/>
           </a:p>
@@ -2922,7 +3335,7 @@
           <a:p>
             <a:fld id="{C3F78080-8D0A-4BE8-A5B4-CB115102D524}" type="datetimeFigureOut">
               <a:rPr lang="en-US" smtClean="0"/>
-              <a:t>9/7/2022</a:t>
+              <a:t>10/12/2022</a:t>
             </a:fld>
             <a:endParaRPr lang="en-US"/>
           </a:p>
@@ -3210,7 +3623,7 @@
           <a:p>
             <a:fld id="{C3F78080-8D0A-4BE8-A5B4-CB115102D524}" type="datetimeFigureOut">
               <a:rPr lang="en-US" smtClean="0"/>
-              <a:t>9/7/2022</a:t>
+              <a:t>10/12/2022</a:t>
             </a:fld>
             <a:endParaRPr lang="en-US"/>
           </a:p>
@@ -3451,7 +3864,7 @@
           <a:p>
             <a:fld id="{C3F78080-8D0A-4BE8-A5B4-CB115102D524}" type="datetimeFigureOut">
               <a:rPr lang="en-US" smtClean="0"/>
-              <a:t>9/7/2022</a:t>
+              <a:t>10/12/2022</a:t>
             </a:fld>
             <a:endParaRPr lang="en-US"/>
           </a:p>
@@ -3899,7 +4312,7 @@
                 <a:latin typeface="Palatino Linotype" panose="02040502050505030304" pitchFamily="18" charset="0"/>
                 <a:cs typeface="Segoe UI" panose="020B0502040204020203" pitchFamily="34" charset="0"/>
               </a:rPr>
-              <a:t>The AI Project Lifecycle</a:t>
+              <a:t>Responsible AI Research</a:t>
             </a:r>
           </a:p>
         </p:txBody>
@@ -3987,7 +4400,7 @@
           <p:cNvPr id="3" name="Picture 2">
             <a:extLst>
               <a:ext uri="{FF2B5EF4-FFF2-40B4-BE49-F238E27FC236}">
-                <a16:creationId xmlns:a16="http://schemas.microsoft.com/office/drawing/2014/main" id="{3B1BDB90-DEEA-4DE3-A3F9-5E48C44137B9}"/>
+                <a16:creationId xmlns:a16="http://schemas.microsoft.com/office/drawing/2014/main" id="{5C787516-946A-6025-8170-EC4A0FF135C5}"/>
               </a:ext>
             </a:extLst>
           </p:cNvPr>
@@ -4004,8 +4417,8 @@
         </p:blipFill>
         <p:spPr>
           <a:xfrm>
-            <a:off x="1929114" y="978061"/>
-            <a:ext cx="8333772" cy="4901878"/>
+            <a:off x="4656423" y="1693752"/>
+            <a:ext cx="2879154" cy="3470495"/>
           </a:xfrm>
           <a:prstGeom prst="rect">
             <a:avLst/>
@@ -4015,7 +4428,97 @@
     </p:spTree>
     <p:extLst>
       <p:ext uri="{BB962C8B-B14F-4D97-AF65-F5344CB8AC3E}">
-        <p14:creationId xmlns:p14="http://schemas.microsoft.com/office/powerpoint/2010/main" val="3090121411"/>
+        <p14:creationId xmlns:p14="http://schemas.microsoft.com/office/powerpoint/2010/main" val="4268212340"/>
+      </p:ext>
+    </p:extLst>
+  </p:cSld>
+  <p:clrMapOvr>
+    <a:masterClrMapping/>
+  </p:clrMapOvr>
+</p:sld>
+</file>
+
+<file path=ppt/slides/slide3.xml><?xml version="1.0" encoding="utf-8"?>
+<p:sld xmlns:a="http://schemas.openxmlformats.org/drawingml/2006/main" xmlns:r="http://schemas.openxmlformats.org/officeDocument/2006/relationships" xmlns:p="http://schemas.openxmlformats.org/presentationml/2006/main">
+  <p:cSld>
+    <p:spTree>
+      <p:nvGrpSpPr>
+        <p:cNvPr id="1" name=""/>
+        <p:cNvGrpSpPr/>
+        <p:nvPr/>
+      </p:nvGrpSpPr>
+      <p:grpSpPr>
+        <a:xfrm>
+          <a:off x="0" y="0"/>
+          <a:ext cx="0" cy="0"/>
+          <a:chOff x="0" y="0"/>
+          <a:chExt cx="0" cy="0"/>
+        </a:xfrm>
+      </p:grpSpPr>
+      <p:pic>
+        <p:nvPicPr>
+          <p:cNvPr id="7" name="Picture 6">
+            <a:extLst>
+              <a:ext uri="{FF2B5EF4-FFF2-40B4-BE49-F238E27FC236}">
+                <a16:creationId xmlns:a16="http://schemas.microsoft.com/office/drawing/2014/main" id="{FCC78C5B-D700-F396-C3C9-630B0F078627}"/>
+              </a:ext>
+            </a:extLst>
+          </p:cNvPr>
+          <p:cNvPicPr>
+            <a:picLocks noChangeAspect="1"/>
+          </p:cNvPicPr>
+          <p:nvPr/>
+        </p:nvPicPr>
+        <p:blipFill>
+          <a:blip r:embed="rId3"/>
+          <a:stretch>
+            <a:fillRect/>
+          </a:stretch>
+        </p:blipFill>
+        <p:spPr>
+          <a:xfrm>
+            <a:off x="2970910" y="1309105"/>
+            <a:ext cx="6254938" cy="4135727"/>
+          </a:xfrm>
+          <a:prstGeom prst="rect">
+            <a:avLst/>
+          </a:prstGeom>
+        </p:spPr>
+      </p:pic>
+      <p:pic>
+        <p:nvPicPr>
+          <p:cNvPr id="9" name="Picture 8">
+            <a:extLst>
+              <a:ext uri="{FF2B5EF4-FFF2-40B4-BE49-F238E27FC236}">
+                <a16:creationId xmlns:a16="http://schemas.microsoft.com/office/drawing/2014/main" id="{D0F1B3BD-4237-4DD4-3EF6-934F6E5E32BE}"/>
+              </a:ext>
+            </a:extLst>
+          </p:cNvPr>
+          <p:cNvPicPr>
+            <a:picLocks noChangeAspect="1"/>
+          </p:cNvPicPr>
+          <p:nvPr/>
+        </p:nvPicPr>
+        <p:blipFill>
+          <a:blip r:embed="rId4"/>
+          <a:stretch>
+            <a:fillRect/>
+          </a:stretch>
+        </p:blipFill>
+        <p:spPr>
+          <a:xfrm>
+            <a:off x="3602496" y="2064322"/>
+            <a:ext cx="4987007" cy="3068927"/>
+          </a:xfrm>
+          <a:prstGeom prst="rect">
+            <a:avLst/>
+          </a:prstGeom>
+        </p:spPr>
+      </p:pic>
+    </p:spTree>
+    <p:extLst>
+      <p:ext uri="{BB962C8B-B14F-4D97-AF65-F5344CB8AC3E}">
+        <p14:creationId xmlns:p14="http://schemas.microsoft.com/office/powerpoint/2010/main" val="2635872209"/>
       </p:ext>
     </p:extLst>
   </p:cSld>
@@ -4034,6 +4537,760 @@
       </p:transition>
     </mc:Fallback>
   </mc:AlternateContent>
+  <p:timing>
+    <p:tnLst>
+      <p:par>
+        <p:cTn id="1" dur="indefinite" restart="never" nodeType="tmRoot">
+          <p:childTnLst>
+            <p:seq concurrent="1" nextAc="seek">
+              <p:cTn id="2" dur="indefinite" nodeType="mainSeq">
+                <p:childTnLst>
+                  <p:par>
+                    <p:cTn id="3" fill="hold">
+                      <p:stCondLst>
+                        <p:cond delay="indefinite"/>
+                      </p:stCondLst>
+                      <p:childTnLst>
+                        <p:par>
+                          <p:cTn id="4" fill="hold">
+                            <p:stCondLst>
+                              <p:cond delay="0"/>
+                            </p:stCondLst>
+                            <p:childTnLst>
+                              <p:par>
+                                <p:cTn id="5" presetID="10" presetClass="entr" presetSubtype="0" fill="hold" nodeType="clickEffect">
+                                  <p:stCondLst>
+                                    <p:cond delay="0"/>
+                                  </p:stCondLst>
+                                  <p:childTnLst>
+                                    <p:set>
+                                      <p:cBhvr>
+                                        <p:cTn id="6" dur="1" fill="hold">
+                                          <p:stCondLst>
+                                            <p:cond delay="0"/>
+                                          </p:stCondLst>
+                                        </p:cTn>
+                                        <p:tgtEl>
+                                          <p:spTgt spid="7"/>
+                                        </p:tgtEl>
+                                        <p:attrNameLst>
+                                          <p:attrName>style.visibility</p:attrName>
+                                        </p:attrNameLst>
+                                      </p:cBhvr>
+                                      <p:to>
+                                        <p:strVal val="visible"/>
+                                      </p:to>
+                                    </p:set>
+                                    <p:animEffect transition="in" filter="fade">
+                                      <p:cBhvr>
+                                        <p:cTn id="7" dur="500"/>
+                                        <p:tgtEl>
+                                          <p:spTgt spid="7"/>
+                                        </p:tgtEl>
+                                      </p:cBhvr>
+                                    </p:animEffect>
+                                  </p:childTnLst>
+                                </p:cTn>
+                              </p:par>
+                            </p:childTnLst>
+                          </p:cTn>
+                        </p:par>
+                      </p:childTnLst>
+                    </p:cTn>
+                  </p:par>
+                </p:childTnLst>
+              </p:cTn>
+              <p:prevCondLst>
+                <p:cond evt="onPrev" delay="0">
+                  <p:tgtEl>
+                    <p:sldTgt/>
+                  </p:tgtEl>
+                </p:cond>
+              </p:prevCondLst>
+              <p:nextCondLst>
+                <p:cond evt="onNext" delay="0">
+                  <p:tgtEl>
+                    <p:sldTgt/>
+                  </p:tgtEl>
+                </p:cond>
+              </p:nextCondLst>
+            </p:seq>
+          </p:childTnLst>
+        </p:cTn>
+      </p:par>
+    </p:tnLst>
+  </p:timing>
+</p:sld>
+</file>
+
+<file path=ppt/slides/slide4.xml><?xml version="1.0" encoding="utf-8"?>
+<p:sld xmlns:a="http://schemas.openxmlformats.org/drawingml/2006/main" xmlns:r="http://schemas.openxmlformats.org/officeDocument/2006/relationships" xmlns:p="http://schemas.openxmlformats.org/presentationml/2006/main">
+  <p:cSld>
+    <p:spTree>
+      <p:nvGrpSpPr>
+        <p:cNvPr id="1" name=""/>
+        <p:cNvGrpSpPr/>
+        <p:nvPr/>
+      </p:nvGrpSpPr>
+      <p:grpSpPr>
+        <a:xfrm>
+          <a:off x="0" y="0"/>
+          <a:ext cx="0" cy="0"/>
+          <a:chOff x="0" y="0"/>
+          <a:chExt cx="0" cy="0"/>
+        </a:xfrm>
+      </p:grpSpPr>
+      <p:pic>
+        <p:nvPicPr>
+          <p:cNvPr id="3" name="Picture 2">
+            <a:extLst>
+              <a:ext uri="{FF2B5EF4-FFF2-40B4-BE49-F238E27FC236}">
+                <a16:creationId xmlns:a16="http://schemas.microsoft.com/office/drawing/2014/main" id="{34DC9FA8-97F1-D992-29C9-11E695F62DEF}"/>
+              </a:ext>
+            </a:extLst>
+          </p:cNvPr>
+          <p:cNvPicPr>
+            <a:picLocks noChangeAspect="1"/>
+          </p:cNvPicPr>
+          <p:nvPr/>
+        </p:nvPicPr>
+        <p:blipFill>
+          <a:blip r:embed="rId3"/>
+          <a:stretch>
+            <a:fillRect/>
+          </a:stretch>
+        </p:blipFill>
+        <p:spPr>
+          <a:xfrm>
+            <a:off x="2858249" y="634660"/>
+            <a:ext cx="2698895" cy="1301538"/>
+          </a:xfrm>
+          <a:prstGeom prst="rect">
+            <a:avLst/>
+          </a:prstGeom>
+        </p:spPr>
+      </p:pic>
+      <p:pic>
+        <p:nvPicPr>
+          <p:cNvPr id="5" name="Picture 4">
+            <a:extLst>
+              <a:ext uri="{FF2B5EF4-FFF2-40B4-BE49-F238E27FC236}">
+                <a16:creationId xmlns:a16="http://schemas.microsoft.com/office/drawing/2014/main" id="{1F7F31B3-F09A-010F-68A3-B9E1CD6342BB}"/>
+              </a:ext>
+            </a:extLst>
+          </p:cNvPr>
+          <p:cNvPicPr>
+            <a:picLocks noChangeAspect="1"/>
+          </p:cNvPicPr>
+          <p:nvPr/>
+        </p:nvPicPr>
+        <p:blipFill>
+          <a:blip r:embed="rId4"/>
+          <a:stretch>
+            <a:fillRect/>
+          </a:stretch>
+        </p:blipFill>
+        <p:spPr>
+          <a:xfrm>
+            <a:off x="2665262" y="1894383"/>
+            <a:ext cx="2891882" cy="1005872"/>
+          </a:xfrm>
+          <a:prstGeom prst="rect">
+            <a:avLst/>
+          </a:prstGeom>
+        </p:spPr>
+      </p:pic>
+      <p:pic>
+        <p:nvPicPr>
+          <p:cNvPr id="7" name="Picture 6">
+            <a:extLst>
+              <a:ext uri="{FF2B5EF4-FFF2-40B4-BE49-F238E27FC236}">
+                <a16:creationId xmlns:a16="http://schemas.microsoft.com/office/drawing/2014/main" id="{08B675FF-C406-E44B-CE26-F8EBE7766AE3}"/>
+              </a:ext>
+            </a:extLst>
+          </p:cNvPr>
+          <p:cNvPicPr>
+            <a:picLocks noChangeAspect="1"/>
+          </p:cNvPicPr>
+          <p:nvPr/>
+        </p:nvPicPr>
+        <p:blipFill>
+          <a:blip r:embed="rId5"/>
+          <a:stretch>
+            <a:fillRect/>
+          </a:stretch>
+        </p:blipFill>
+        <p:spPr>
+          <a:xfrm>
+            <a:off x="2921322" y="2863037"/>
+            <a:ext cx="2698895" cy="1016055"/>
+          </a:xfrm>
+          <a:prstGeom prst="rect">
+            <a:avLst/>
+          </a:prstGeom>
+        </p:spPr>
+      </p:pic>
+      <p:pic>
+        <p:nvPicPr>
+          <p:cNvPr id="9" name="Picture 8">
+            <a:extLst>
+              <a:ext uri="{FF2B5EF4-FFF2-40B4-BE49-F238E27FC236}">
+                <a16:creationId xmlns:a16="http://schemas.microsoft.com/office/drawing/2014/main" id="{A4A42B0B-FF9D-29C0-5CFC-F763D039BA78}"/>
+              </a:ext>
+            </a:extLst>
+          </p:cNvPr>
+          <p:cNvPicPr>
+            <a:picLocks noChangeAspect="1"/>
+          </p:cNvPicPr>
+          <p:nvPr/>
+        </p:nvPicPr>
+        <p:blipFill>
+          <a:blip r:embed="rId6"/>
+          <a:stretch>
+            <a:fillRect/>
+          </a:stretch>
+        </p:blipFill>
+        <p:spPr>
+          <a:xfrm>
+            <a:off x="2532608" y="3827094"/>
+            <a:ext cx="3024536" cy="1016055"/>
+          </a:xfrm>
+          <a:prstGeom prst="rect">
+            <a:avLst/>
+          </a:prstGeom>
+        </p:spPr>
+      </p:pic>
+      <p:pic>
+        <p:nvPicPr>
+          <p:cNvPr id="11" name="Picture 10">
+            <a:extLst>
+              <a:ext uri="{FF2B5EF4-FFF2-40B4-BE49-F238E27FC236}">
+                <a16:creationId xmlns:a16="http://schemas.microsoft.com/office/drawing/2014/main" id="{374E7BE4-EE59-CEC6-2F94-65C14E78CE9F}"/>
+              </a:ext>
+            </a:extLst>
+          </p:cNvPr>
+          <p:cNvPicPr>
+            <a:picLocks noChangeAspect="1"/>
+          </p:cNvPicPr>
+          <p:nvPr/>
+        </p:nvPicPr>
+        <p:blipFill>
+          <a:blip r:embed="rId7"/>
+          <a:stretch>
+            <a:fillRect/>
+          </a:stretch>
+        </p:blipFill>
+        <p:spPr>
+          <a:xfrm>
+            <a:off x="2756705" y="4793231"/>
+            <a:ext cx="2755095" cy="1080429"/>
+          </a:xfrm>
+          <a:prstGeom prst="rect">
+            <a:avLst/>
+          </a:prstGeom>
+        </p:spPr>
+      </p:pic>
+      <p:pic>
+        <p:nvPicPr>
+          <p:cNvPr id="13" name="Picture 12">
+            <a:extLst>
+              <a:ext uri="{FF2B5EF4-FFF2-40B4-BE49-F238E27FC236}">
+                <a16:creationId xmlns:a16="http://schemas.microsoft.com/office/drawing/2014/main" id="{F59484A1-1E7E-E0C5-3E1D-7CC5CE43A3FF}"/>
+              </a:ext>
+            </a:extLst>
+          </p:cNvPr>
+          <p:cNvPicPr>
+            <a:picLocks noChangeAspect="1"/>
+          </p:cNvPicPr>
+          <p:nvPr/>
+        </p:nvPicPr>
+        <p:blipFill>
+          <a:blip r:embed="rId8"/>
+          <a:stretch>
+            <a:fillRect/>
+          </a:stretch>
+        </p:blipFill>
+        <p:spPr>
+          <a:xfrm>
+            <a:off x="5473700" y="3220861"/>
+            <a:ext cx="3670384" cy="2305959"/>
+          </a:xfrm>
+          <a:prstGeom prst="rect">
+            <a:avLst/>
+          </a:prstGeom>
+        </p:spPr>
+      </p:pic>
+      <p:pic>
+        <p:nvPicPr>
+          <p:cNvPr id="15" name="Picture 14">
+            <a:extLst>
+              <a:ext uri="{FF2B5EF4-FFF2-40B4-BE49-F238E27FC236}">
+                <a16:creationId xmlns:a16="http://schemas.microsoft.com/office/drawing/2014/main" id="{471B5B2F-90EF-DD43-2197-29C75B8A72B7}"/>
+              </a:ext>
+            </a:extLst>
+          </p:cNvPr>
+          <p:cNvPicPr>
+            <a:picLocks noChangeAspect="1"/>
+          </p:cNvPicPr>
+          <p:nvPr/>
+        </p:nvPicPr>
+        <p:blipFill>
+          <a:blip r:embed="rId9"/>
+          <a:stretch>
+            <a:fillRect/>
+          </a:stretch>
+        </p:blipFill>
+        <p:spPr>
+          <a:xfrm>
+            <a:off x="5511800" y="2275854"/>
+            <a:ext cx="3647799" cy="982986"/>
+          </a:xfrm>
+          <a:prstGeom prst="rect">
+            <a:avLst/>
+          </a:prstGeom>
+        </p:spPr>
+      </p:pic>
+      <p:pic>
+        <p:nvPicPr>
+          <p:cNvPr id="17" name="Picture 16">
+            <a:extLst>
+              <a:ext uri="{FF2B5EF4-FFF2-40B4-BE49-F238E27FC236}">
+                <a16:creationId xmlns:a16="http://schemas.microsoft.com/office/drawing/2014/main" id="{AD81251F-A37A-BCDF-F066-CC1471FC3130}"/>
+              </a:ext>
+            </a:extLst>
+          </p:cNvPr>
+          <p:cNvPicPr>
+            <a:picLocks noChangeAspect="1"/>
+          </p:cNvPicPr>
+          <p:nvPr/>
+        </p:nvPicPr>
+        <p:blipFill>
+          <a:blip r:embed="rId10"/>
+          <a:stretch>
+            <a:fillRect/>
+          </a:stretch>
+        </p:blipFill>
+        <p:spPr>
+          <a:xfrm>
+            <a:off x="6675050" y="1285429"/>
+            <a:ext cx="1186250" cy="1019060"/>
+          </a:xfrm>
+          <a:prstGeom prst="rect">
+            <a:avLst/>
+          </a:prstGeom>
+        </p:spPr>
+      </p:pic>
+    </p:spTree>
+    <p:extLst>
+      <p:ext uri="{BB962C8B-B14F-4D97-AF65-F5344CB8AC3E}">
+        <p14:creationId xmlns:p14="http://schemas.microsoft.com/office/powerpoint/2010/main" val="2234221658"/>
+      </p:ext>
+    </p:extLst>
+  </p:cSld>
+  <p:clrMapOvr>
+    <a:masterClrMapping/>
+  </p:clrMapOvr>
+  <p:timing>
+    <p:tnLst>
+      <p:par>
+        <p:cTn id="1" dur="indefinite" restart="never" nodeType="tmRoot">
+          <p:childTnLst>
+            <p:seq concurrent="1" nextAc="seek">
+              <p:cTn id="2" dur="indefinite" nodeType="mainSeq">
+                <p:childTnLst>
+                  <p:par>
+                    <p:cTn id="3" fill="hold">
+                      <p:stCondLst>
+                        <p:cond delay="indefinite"/>
+                      </p:stCondLst>
+                      <p:childTnLst>
+                        <p:par>
+                          <p:cTn id="4" fill="hold">
+                            <p:stCondLst>
+                              <p:cond delay="0"/>
+                            </p:stCondLst>
+                            <p:childTnLst>
+                              <p:par>
+                                <p:cTn id="5" presetID="10" presetClass="entr" presetSubtype="0" fill="hold" nodeType="clickEffect">
+                                  <p:stCondLst>
+                                    <p:cond delay="0"/>
+                                  </p:stCondLst>
+                                  <p:childTnLst>
+                                    <p:set>
+                                      <p:cBhvr>
+                                        <p:cTn id="6" dur="1" fill="hold">
+                                          <p:stCondLst>
+                                            <p:cond delay="0"/>
+                                          </p:stCondLst>
+                                        </p:cTn>
+                                        <p:tgtEl>
+                                          <p:spTgt spid="5"/>
+                                        </p:tgtEl>
+                                        <p:attrNameLst>
+                                          <p:attrName>style.visibility</p:attrName>
+                                        </p:attrNameLst>
+                                      </p:cBhvr>
+                                      <p:to>
+                                        <p:strVal val="visible"/>
+                                      </p:to>
+                                    </p:set>
+                                    <p:animEffect transition="in" filter="fade">
+                                      <p:cBhvr>
+                                        <p:cTn id="7" dur="500"/>
+                                        <p:tgtEl>
+                                          <p:spTgt spid="5"/>
+                                        </p:tgtEl>
+                                      </p:cBhvr>
+                                    </p:animEffect>
+                                  </p:childTnLst>
+                                </p:cTn>
+                              </p:par>
+                            </p:childTnLst>
+                          </p:cTn>
+                        </p:par>
+                      </p:childTnLst>
+                    </p:cTn>
+                  </p:par>
+                  <p:par>
+                    <p:cTn id="8" fill="hold">
+                      <p:stCondLst>
+                        <p:cond delay="indefinite"/>
+                      </p:stCondLst>
+                      <p:childTnLst>
+                        <p:par>
+                          <p:cTn id="9" fill="hold">
+                            <p:stCondLst>
+                              <p:cond delay="0"/>
+                            </p:stCondLst>
+                            <p:childTnLst>
+                              <p:par>
+                                <p:cTn id="10" presetID="10" presetClass="entr" presetSubtype="0" fill="hold" nodeType="clickEffect">
+                                  <p:stCondLst>
+                                    <p:cond delay="0"/>
+                                  </p:stCondLst>
+                                  <p:childTnLst>
+                                    <p:set>
+                                      <p:cBhvr>
+                                        <p:cTn id="11" dur="1" fill="hold">
+                                          <p:stCondLst>
+                                            <p:cond delay="0"/>
+                                          </p:stCondLst>
+                                        </p:cTn>
+                                        <p:tgtEl>
+                                          <p:spTgt spid="7"/>
+                                        </p:tgtEl>
+                                        <p:attrNameLst>
+                                          <p:attrName>style.visibility</p:attrName>
+                                        </p:attrNameLst>
+                                      </p:cBhvr>
+                                      <p:to>
+                                        <p:strVal val="visible"/>
+                                      </p:to>
+                                    </p:set>
+                                    <p:animEffect transition="in" filter="fade">
+                                      <p:cBhvr>
+                                        <p:cTn id="12" dur="500"/>
+                                        <p:tgtEl>
+                                          <p:spTgt spid="7"/>
+                                        </p:tgtEl>
+                                      </p:cBhvr>
+                                    </p:animEffect>
+                                  </p:childTnLst>
+                                </p:cTn>
+                              </p:par>
+                            </p:childTnLst>
+                          </p:cTn>
+                        </p:par>
+                      </p:childTnLst>
+                    </p:cTn>
+                  </p:par>
+                  <p:par>
+                    <p:cTn id="13" fill="hold">
+                      <p:stCondLst>
+                        <p:cond delay="indefinite"/>
+                      </p:stCondLst>
+                      <p:childTnLst>
+                        <p:par>
+                          <p:cTn id="14" fill="hold">
+                            <p:stCondLst>
+                              <p:cond delay="0"/>
+                            </p:stCondLst>
+                            <p:childTnLst>
+                              <p:par>
+                                <p:cTn id="15" presetID="10" presetClass="entr" presetSubtype="0" fill="hold" nodeType="clickEffect">
+                                  <p:stCondLst>
+                                    <p:cond delay="0"/>
+                                  </p:stCondLst>
+                                  <p:childTnLst>
+                                    <p:set>
+                                      <p:cBhvr>
+                                        <p:cTn id="16" dur="1" fill="hold">
+                                          <p:stCondLst>
+                                            <p:cond delay="0"/>
+                                          </p:stCondLst>
+                                        </p:cTn>
+                                        <p:tgtEl>
+                                          <p:spTgt spid="9"/>
+                                        </p:tgtEl>
+                                        <p:attrNameLst>
+                                          <p:attrName>style.visibility</p:attrName>
+                                        </p:attrNameLst>
+                                      </p:cBhvr>
+                                      <p:to>
+                                        <p:strVal val="visible"/>
+                                      </p:to>
+                                    </p:set>
+                                    <p:animEffect transition="in" filter="fade">
+                                      <p:cBhvr>
+                                        <p:cTn id="17" dur="500"/>
+                                        <p:tgtEl>
+                                          <p:spTgt spid="9"/>
+                                        </p:tgtEl>
+                                      </p:cBhvr>
+                                    </p:animEffect>
+                                  </p:childTnLst>
+                                </p:cTn>
+                              </p:par>
+                            </p:childTnLst>
+                          </p:cTn>
+                        </p:par>
+                      </p:childTnLst>
+                    </p:cTn>
+                  </p:par>
+                  <p:par>
+                    <p:cTn id="18" fill="hold">
+                      <p:stCondLst>
+                        <p:cond delay="indefinite"/>
+                      </p:stCondLst>
+                      <p:childTnLst>
+                        <p:par>
+                          <p:cTn id="19" fill="hold">
+                            <p:stCondLst>
+                              <p:cond delay="0"/>
+                            </p:stCondLst>
+                            <p:childTnLst>
+                              <p:par>
+                                <p:cTn id="20" presetID="10" presetClass="entr" presetSubtype="0" fill="hold" nodeType="clickEffect">
+                                  <p:stCondLst>
+                                    <p:cond delay="0"/>
+                                  </p:stCondLst>
+                                  <p:childTnLst>
+                                    <p:set>
+                                      <p:cBhvr>
+                                        <p:cTn id="21" dur="1" fill="hold">
+                                          <p:stCondLst>
+                                            <p:cond delay="0"/>
+                                          </p:stCondLst>
+                                        </p:cTn>
+                                        <p:tgtEl>
+                                          <p:spTgt spid="11"/>
+                                        </p:tgtEl>
+                                        <p:attrNameLst>
+                                          <p:attrName>style.visibility</p:attrName>
+                                        </p:attrNameLst>
+                                      </p:cBhvr>
+                                      <p:to>
+                                        <p:strVal val="visible"/>
+                                      </p:to>
+                                    </p:set>
+                                    <p:animEffect transition="in" filter="fade">
+                                      <p:cBhvr>
+                                        <p:cTn id="22" dur="500"/>
+                                        <p:tgtEl>
+                                          <p:spTgt spid="11"/>
+                                        </p:tgtEl>
+                                      </p:cBhvr>
+                                    </p:animEffect>
+                                  </p:childTnLst>
+                                </p:cTn>
+                              </p:par>
+                            </p:childTnLst>
+                          </p:cTn>
+                        </p:par>
+                      </p:childTnLst>
+                    </p:cTn>
+                  </p:par>
+                  <p:par>
+                    <p:cTn id="23" fill="hold">
+                      <p:stCondLst>
+                        <p:cond delay="indefinite"/>
+                      </p:stCondLst>
+                      <p:childTnLst>
+                        <p:par>
+                          <p:cTn id="24" fill="hold">
+                            <p:stCondLst>
+                              <p:cond delay="0"/>
+                            </p:stCondLst>
+                            <p:childTnLst>
+                              <p:par>
+                                <p:cTn id="25" presetID="10" presetClass="entr" presetSubtype="0" fill="hold" nodeType="clickEffect">
+                                  <p:stCondLst>
+                                    <p:cond delay="0"/>
+                                  </p:stCondLst>
+                                  <p:childTnLst>
+                                    <p:set>
+                                      <p:cBhvr>
+                                        <p:cTn id="26" dur="1" fill="hold">
+                                          <p:stCondLst>
+                                            <p:cond delay="0"/>
+                                          </p:stCondLst>
+                                        </p:cTn>
+                                        <p:tgtEl>
+                                          <p:spTgt spid="13"/>
+                                        </p:tgtEl>
+                                        <p:attrNameLst>
+                                          <p:attrName>style.visibility</p:attrName>
+                                        </p:attrNameLst>
+                                      </p:cBhvr>
+                                      <p:to>
+                                        <p:strVal val="visible"/>
+                                      </p:to>
+                                    </p:set>
+                                    <p:animEffect transition="in" filter="fade">
+                                      <p:cBhvr>
+                                        <p:cTn id="27" dur="500"/>
+                                        <p:tgtEl>
+                                          <p:spTgt spid="13"/>
+                                        </p:tgtEl>
+                                      </p:cBhvr>
+                                    </p:animEffect>
+                                  </p:childTnLst>
+                                </p:cTn>
+                              </p:par>
+                            </p:childTnLst>
+                          </p:cTn>
+                        </p:par>
+                      </p:childTnLst>
+                    </p:cTn>
+                  </p:par>
+                  <p:par>
+                    <p:cTn id="28" fill="hold">
+                      <p:stCondLst>
+                        <p:cond delay="indefinite"/>
+                      </p:stCondLst>
+                      <p:childTnLst>
+                        <p:par>
+                          <p:cTn id="29" fill="hold">
+                            <p:stCondLst>
+                              <p:cond delay="0"/>
+                            </p:stCondLst>
+                            <p:childTnLst>
+                              <p:par>
+                                <p:cTn id="30" presetID="10" presetClass="entr" presetSubtype="0" fill="hold" nodeType="clickEffect">
+                                  <p:stCondLst>
+                                    <p:cond delay="0"/>
+                                  </p:stCondLst>
+                                  <p:childTnLst>
+                                    <p:set>
+                                      <p:cBhvr>
+                                        <p:cTn id="31" dur="1" fill="hold">
+                                          <p:stCondLst>
+                                            <p:cond delay="0"/>
+                                          </p:stCondLst>
+                                        </p:cTn>
+                                        <p:tgtEl>
+                                          <p:spTgt spid="15"/>
+                                        </p:tgtEl>
+                                        <p:attrNameLst>
+                                          <p:attrName>style.visibility</p:attrName>
+                                        </p:attrNameLst>
+                                      </p:cBhvr>
+                                      <p:to>
+                                        <p:strVal val="visible"/>
+                                      </p:to>
+                                    </p:set>
+                                    <p:animEffect transition="in" filter="fade">
+                                      <p:cBhvr>
+                                        <p:cTn id="32" dur="500"/>
+                                        <p:tgtEl>
+                                          <p:spTgt spid="15"/>
+                                        </p:tgtEl>
+                                      </p:cBhvr>
+                                    </p:animEffect>
+                                  </p:childTnLst>
+                                </p:cTn>
+                              </p:par>
+                            </p:childTnLst>
+                          </p:cTn>
+                        </p:par>
+                      </p:childTnLst>
+                    </p:cTn>
+                  </p:par>
+                  <p:par>
+                    <p:cTn id="33" fill="hold">
+                      <p:stCondLst>
+                        <p:cond delay="indefinite"/>
+                      </p:stCondLst>
+                      <p:childTnLst>
+                        <p:par>
+                          <p:cTn id="34" fill="hold">
+                            <p:stCondLst>
+                              <p:cond delay="0"/>
+                            </p:stCondLst>
+                            <p:childTnLst>
+                              <p:par>
+                                <p:cTn id="35" presetID="10" presetClass="entr" presetSubtype="0" fill="hold" nodeType="clickEffect">
+                                  <p:stCondLst>
+                                    <p:cond delay="0"/>
+                                  </p:stCondLst>
+                                  <p:childTnLst>
+                                    <p:set>
+                                      <p:cBhvr>
+                                        <p:cTn id="36" dur="1" fill="hold">
+                                          <p:stCondLst>
+                                            <p:cond delay="0"/>
+                                          </p:stCondLst>
+                                        </p:cTn>
+                                        <p:tgtEl>
+                                          <p:spTgt spid="17"/>
+                                        </p:tgtEl>
+                                        <p:attrNameLst>
+                                          <p:attrName>style.visibility</p:attrName>
+                                        </p:attrNameLst>
+                                      </p:cBhvr>
+                                      <p:to>
+                                        <p:strVal val="visible"/>
+                                      </p:to>
+                                    </p:set>
+                                    <p:animEffect transition="in" filter="fade">
+                                      <p:cBhvr>
+                                        <p:cTn id="37" dur="500"/>
+                                        <p:tgtEl>
+                                          <p:spTgt spid="17"/>
+                                        </p:tgtEl>
+                                      </p:cBhvr>
+                                    </p:animEffect>
+                                  </p:childTnLst>
+                                </p:cTn>
+                              </p:par>
+                            </p:childTnLst>
+                          </p:cTn>
+                        </p:par>
+                      </p:childTnLst>
+                    </p:cTn>
+                  </p:par>
+                </p:childTnLst>
+              </p:cTn>
+              <p:prevCondLst>
+                <p:cond evt="onPrev" delay="0">
+                  <p:tgtEl>
+                    <p:sldTgt/>
+                  </p:tgtEl>
+                </p:cond>
+              </p:prevCondLst>
+              <p:nextCondLst>
+                <p:cond evt="onNext" delay="0">
+                  <p:tgtEl>
+                    <p:sldTgt/>
+                  </p:tgtEl>
+                </p:cond>
+              </p:nextCondLst>
+            </p:seq>
+          </p:childTnLst>
+        </p:cTn>
+      </p:par>
+    </p:tnLst>
+  </p:timing>
 </p:sld>
 </file>
 
